--- a/UIUX/feature_plan.pptx
+++ b/UIUX/feature_plan.pptx
@@ -104,6 +104,11 @@
       </a:defRPr>
     </a:lvl9pPr>
   </p:defaultTextStyle>
+  <p:extLst>
+    <p:ext uri="{EFAFB233-063F-42B5-8137-9DF3F51BA10A}">
+      <p15:sldGuideLst xmlns:p15="http://schemas.microsoft.com/office/powerpoint/2012/main"/>
+    </p:ext>
+  </p:extLst>
 </p:presentation>
 </file>
 
@@ -254,7 +259,7 @@
           <a:p>
             <a:fld id="{5E3073BD-7B93-40ED-85E7-008ED39D7C21}" type="datetimeFigureOut">
               <a:rPr lang="en-US" smtClean="0"/>
-              <a:t>9/25/2023</a:t>
+              <a:t>10/3/2023</a:t>
             </a:fld>
             <a:endParaRPr lang="en-US"/>
           </a:p>
@@ -452,7 +457,7 @@
           <a:p>
             <a:fld id="{5E3073BD-7B93-40ED-85E7-008ED39D7C21}" type="datetimeFigureOut">
               <a:rPr lang="en-US" smtClean="0"/>
-              <a:t>9/25/2023</a:t>
+              <a:t>10/3/2023</a:t>
             </a:fld>
             <a:endParaRPr lang="en-US"/>
           </a:p>
@@ -660,7 +665,7 @@
           <a:p>
             <a:fld id="{5E3073BD-7B93-40ED-85E7-008ED39D7C21}" type="datetimeFigureOut">
               <a:rPr lang="en-US" smtClean="0"/>
-              <a:t>9/25/2023</a:t>
+              <a:t>10/3/2023</a:t>
             </a:fld>
             <a:endParaRPr lang="en-US"/>
           </a:p>
@@ -858,7 +863,7 @@
           <a:p>
             <a:fld id="{5E3073BD-7B93-40ED-85E7-008ED39D7C21}" type="datetimeFigureOut">
               <a:rPr lang="en-US" smtClean="0"/>
-              <a:t>9/25/2023</a:t>
+              <a:t>10/3/2023</a:t>
             </a:fld>
             <a:endParaRPr lang="en-US"/>
           </a:p>
@@ -1133,7 +1138,7 @@
           <a:p>
             <a:fld id="{5E3073BD-7B93-40ED-85E7-008ED39D7C21}" type="datetimeFigureOut">
               <a:rPr lang="en-US" smtClean="0"/>
-              <a:t>9/25/2023</a:t>
+              <a:t>10/3/2023</a:t>
             </a:fld>
             <a:endParaRPr lang="en-US"/>
           </a:p>
@@ -1398,7 +1403,7 @@
           <a:p>
             <a:fld id="{5E3073BD-7B93-40ED-85E7-008ED39D7C21}" type="datetimeFigureOut">
               <a:rPr lang="en-US" smtClean="0"/>
-              <a:t>9/25/2023</a:t>
+              <a:t>10/3/2023</a:t>
             </a:fld>
             <a:endParaRPr lang="en-US"/>
           </a:p>
@@ -1810,7 +1815,7 @@
           <a:p>
             <a:fld id="{5E3073BD-7B93-40ED-85E7-008ED39D7C21}" type="datetimeFigureOut">
               <a:rPr lang="en-US" smtClean="0"/>
-              <a:t>9/25/2023</a:t>
+              <a:t>10/3/2023</a:t>
             </a:fld>
             <a:endParaRPr lang="en-US"/>
           </a:p>
@@ -1951,7 +1956,7 @@
           <a:p>
             <a:fld id="{5E3073BD-7B93-40ED-85E7-008ED39D7C21}" type="datetimeFigureOut">
               <a:rPr lang="en-US" smtClean="0"/>
-              <a:t>9/25/2023</a:t>
+              <a:t>10/3/2023</a:t>
             </a:fld>
             <a:endParaRPr lang="en-US"/>
           </a:p>
@@ -2064,7 +2069,7 @@
           <a:p>
             <a:fld id="{5E3073BD-7B93-40ED-85E7-008ED39D7C21}" type="datetimeFigureOut">
               <a:rPr lang="en-US" smtClean="0"/>
-              <a:t>9/25/2023</a:t>
+              <a:t>10/3/2023</a:t>
             </a:fld>
             <a:endParaRPr lang="en-US"/>
           </a:p>
@@ -2375,7 +2380,7 @@
           <a:p>
             <a:fld id="{5E3073BD-7B93-40ED-85E7-008ED39D7C21}" type="datetimeFigureOut">
               <a:rPr lang="en-US" smtClean="0"/>
-              <a:t>9/25/2023</a:t>
+              <a:t>10/3/2023</a:t>
             </a:fld>
             <a:endParaRPr lang="en-US"/>
           </a:p>
@@ -2663,7 +2668,7 @@
           <a:p>
             <a:fld id="{5E3073BD-7B93-40ED-85E7-008ED39D7C21}" type="datetimeFigureOut">
               <a:rPr lang="en-US" smtClean="0"/>
-              <a:t>9/25/2023</a:t>
+              <a:t>10/3/2023</a:t>
             </a:fld>
             <a:endParaRPr lang="en-US"/>
           </a:p>
@@ -2904,7 +2909,7 @@
           <a:p>
             <a:fld id="{5E3073BD-7B93-40ED-85E7-008ED39D7C21}" type="datetimeFigureOut">
               <a:rPr lang="en-US" smtClean="0"/>
-              <a:t>9/25/2023</a:t>
+              <a:t>10/3/2023</a:t>
             </a:fld>
             <a:endParaRPr lang="en-US"/>
           </a:p>
@@ -3711,7 +3716,7 @@
         </p:nvSpPr>
         <p:spPr>
           <a:xfrm>
-            <a:off x="2965509" y="2092315"/>
+            <a:off x="2965509" y="2105378"/>
             <a:ext cx="504740" cy="484632"/>
           </a:xfrm>
           <a:prstGeom prst="rightArrow">
